--- a/src/java-prom-path/io/Java IO.pptx
+++ b/src/java-prom-path/io/Java IO.pptx
@@ -126,6 +126,43 @@
 </p:presentation>
 </file>
 
+<file path=ppt/revisionInfo.xml><?xml version="1.0" encoding="utf-8"?>
+<p1510:revInfo xmlns:a="http://schemas.openxmlformats.org/drawingml/2006/main" xmlns:r="http://schemas.openxmlformats.org/officeDocument/2006/relationships" xmlns:p1510="http://schemas.microsoft.com/office/powerpoint/2015/10/main">
+  <p1510:revLst>
+    <p1510:client id="{6B164DF7-5706-3274-77F8-F75391A184A7}" v="20" dt="2023-05-30T16:01:47.374"/>
+  </p1510:revLst>
+</p1510:revInfo>
+</file>
+
+<file path=ppt/changesInfos/changesInfo1.xml><?xml version="1.0" encoding="utf-8"?>
+<pc:chgInfo xmlns:a="http://schemas.openxmlformats.org/drawingml/2006/main" xmlns:r="http://schemas.openxmlformats.org/officeDocument/2006/relationships" xmlns:ac="http://schemas.microsoft.com/office/drawing/2013/main/command" xmlns:pc="http://schemas.microsoft.com/office/powerpoint/2013/main/command">
+  <pc:docChgLst>
+    <pc:chgData name="Francisco Masera" userId="S::francisco.masera@alumnos.frm.utn.edu.ar::394ef87a-3cd0-4d32-85f6-71f54635c6b0" providerId="AD" clId="Web-{6B164DF7-5706-3274-77F8-F75391A184A7}"/>
+    <pc:docChg chg="modSld">
+      <pc:chgData name="Francisco Masera" userId="S::francisco.masera@alumnos.frm.utn.edu.ar::394ef87a-3cd0-4d32-85f6-71f54635c6b0" providerId="AD" clId="Web-{6B164DF7-5706-3274-77F8-F75391A184A7}" dt="2023-05-30T16:01:39.999" v="15"/>
+      <pc:docMkLst>
+        <pc:docMk/>
+      </pc:docMkLst>
+      <pc:sldChg chg="modSp">
+        <pc:chgData name="Francisco Masera" userId="S::francisco.masera@alumnos.frm.utn.edu.ar::394ef87a-3cd0-4d32-85f6-71f54635c6b0" providerId="AD" clId="Web-{6B164DF7-5706-3274-77F8-F75391A184A7}" dt="2023-05-30T16:01:39.999" v="15"/>
+        <pc:sldMkLst>
+          <pc:docMk/>
+          <pc:sldMk cId="1524077779" sldId="260"/>
+        </pc:sldMkLst>
+        <pc:graphicFrameChg chg="mod modGraphic">
+          <ac:chgData name="Francisco Masera" userId="S::francisco.masera@alumnos.frm.utn.edu.ar::394ef87a-3cd0-4d32-85f6-71f54635c6b0" providerId="AD" clId="Web-{6B164DF7-5706-3274-77F8-F75391A184A7}" dt="2023-05-30T16:01:39.999" v="15"/>
+          <ac:graphicFrameMkLst>
+            <pc:docMk/>
+            <pc:sldMk cId="1524077779" sldId="260"/>
+            <ac:graphicFrameMk id="27" creationId="{31F44B22-324B-4DE8-B32C-85312184904C}"/>
+          </ac:graphicFrameMkLst>
+        </pc:graphicFrameChg>
+      </pc:sldChg>
+    </pc:docChg>
+  </pc:docChgLst>
+</pc:chgInfo>
+</file>
+
 <file path=ppt/handoutMasters/handoutMaster1.xml><?xml version="1.0" encoding="utf-8"?>
 <p:handoutMaster xmlns:a="http://schemas.openxmlformats.org/drawingml/2006/main" xmlns:r="http://schemas.openxmlformats.org/officeDocument/2006/relationships" xmlns:p="http://schemas.openxmlformats.org/presentationml/2006/main">
   <p:cSld>
@@ -278,7 +315,7 @@
             <a:pPr rtl="0"/>
             <a:fld id="{1C4B79F2-7C6A-497B-9A4A-8ACE18746CB2}" type="slidenum">
               <a:rPr lang="es-ES" smtClean="0"/>
-              <a:t>‹Nº›</a:t>
+              <a:t>‹#›</a:t>
             </a:fld>
             <a:endParaRPr lang="es-ES" dirty="0"/>
           </a:p>
@@ -540,7 +577,7 @@
             <a:pPr rtl="0"/>
             <a:fld id="{B262A795-6F94-4A96-B820-B9038480D048}" type="slidenum">
               <a:rPr lang="es-ES" noProof="0" smtClean="0"/>
-              <a:t>‹Nº›</a:t>
+              <a:t>‹#›</a:t>
             </a:fld>
             <a:endParaRPr lang="es-ES" noProof="0" dirty="0"/>
           </a:p>
@@ -1209,7 +1246,7 @@
             <a:pPr rtl="0"/>
             <a:fld id="{6D22F896-40B5-4ADD-8801-0D06FADFA095}" type="slidenum">
               <a:rPr lang="es-ES" noProof="0" smtClean="0"/>
-              <a:t>‹Nº›</a:t>
+              <a:t>‹#›</a:t>
             </a:fld>
             <a:endParaRPr lang="es-ES" noProof="0" dirty="0"/>
           </a:p>
@@ -1517,7 +1554,7 @@
             <a:fld id="{6D22F896-40B5-4ADD-8801-0D06FADFA095}" type="slidenum">
               <a:rPr lang="es-ES" noProof="0" smtClean="0"/>
               <a:pPr rtl="0"/>
-              <a:t>‹Nº›</a:t>
+              <a:t>‹#›</a:t>
             </a:fld>
             <a:endParaRPr lang="es-ES" noProof="0" dirty="0"/>
           </a:p>
@@ -1702,7 +1739,7 @@
             <a:fld id="{6D22F896-40B5-4ADD-8801-0D06FADFA095}" type="slidenum">
               <a:rPr lang="es-ES" noProof="0" smtClean="0"/>
               <a:pPr rtl="0"/>
-              <a:t>‹Nº›</a:t>
+              <a:t>‹#›</a:t>
             </a:fld>
             <a:endParaRPr lang="es-ES" noProof="0" dirty="0"/>
           </a:p>
@@ -1877,7 +1914,7 @@
             <a:fld id="{6D22F896-40B5-4ADD-8801-0D06FADFA095}" type="slidenum">
               <a:rPr lang="es-ES" noProof="0" smtClean="0"/>
               <a:pPr rtl="0"/>
-              <a:t>‹Nº›</a:t>
+              <a:t>‹#›</a:t>
             </a:fld>
             <a:endParaRPr lang="es-ES" noProof="0" dirty="0"/>
           </a:p>
@@ -2184,7 +2221,7 @@
             <a:pPr rtl="0"/>
             <a:fld id="{6D22F896-40B5-4ADD-8801-0D06FADFA095}" type="slidenum">
               <a:rPr lang="es-ES" noProof="0" smtClean="0"/>
-              <a:t>‹Nº›</a:t>
+              <a:t>‹#›</a:t>
             </a:fld>
             <a:endParaRPr lang="es-ES" noProof="0" dirty="0"/>
           </a:p>
@@ -2556,7 +2593,7 @@
             <a:fld id="{6D22F896-40B5-4ADD-8801-0D06FADFA095}" type="slidenum">
               <a:rPr lang="es-ES" noProof="0" smtClean="0"/>
               <a:pPr rtl="0"/>
-              <a:t>‹Nº›</a:t>
+              <a:t>‹#›</a:t>
             </a:fld>
             <a:endParaRPr lang="es-ES" noProof="0" dirty="0"/>
           </a:p>
@@ -3038,7 +3075,7 @@
             <a:fld id="{6D22F896-40B5-4ADD-8801-0D06FADFA095}" type="slidenum">
               <a:rPr lang="es-ES" noProof="0" smtClean="0"/>
               <a:pPr rtl="0"/>
-              <a:t>‹Nº›</a:t>
+              <a:t>‹#›</a:t>
             </a:fld>
             <a:endParaRPr lang="es-ES" noProof="0" dirty="0"/>
           </a:p>
@@ -3160,7 +3197,7 @@
             <a:pPr rtl="0"/>
             <a:fld id="{6D22F896-40B5-4ADD-8801-0D06FADFA095}" type="slidenum">
               <a:rPr lang="es-ES" noProof="0" smtClean="0"/>
-              <a:t>‹Nº›</a:t>
+              <a:t>‹#›</a:t>
             </a:fld>
             <a:endParaRPr lang="es-ES" noProof="0" dirty="0"/>
           </a:p>
@@ -3258,7 +3295,7 @@
             <a:pPr rtl="0"/>
             <a:fld id="{6D22F896-40B5-4ADD-8801-0D06FADFA095}" type="slidenum">
               <a:rPr lang="es-ES" noProof="0" smtClean="0"/>
-              <a:t>‹Nº›</a:t>
+              <a:t>‹#›</a:t>
             </a:fld>
             <a:endParaRPr lang="es-ES" noProof="0" dirty="0"/>
           </a:p>
@@ -3634,7 +3671,7 @@
             <a:fld id="{6D22F896-40B5-4ADD-8801-0D06FADFA095}" type="slidenum">
               <a:rPr lang="es-ES" noProof="0" smtClean="0"/>
               <a:pPr rtl="0"/>
-              <a:t>‹Nº›</a:t>
+              <a:t>‹#›</a:t>
             </a:fld>
             <a:endParaRPr lang="es-ES" noProof="0" dirty="0"/>
           </a:p>
@@ -4027,7 +4064,7 @@
             <a:fld id="{6D22F896-40B5-4ADD-8801-0D06FADFA095}" type="slidenum">
               <a:rPr lang="es-ES" noProof="0" smtClean="0"/>
               <a:pPr rtl="0"/>
-              <a:t>‹Nº›</a:t>
+              <a:t>‹#›</a:t>
             </a:fld>
             <a:endParaRPr lang="es-ES" noProof="0" dirty="0"/>
           </a:p>
@@ -4316,7 +4353,7 @@
             <a:fld id="{6D22F896-40B5-4ADD-8801-0D06FADFA095}" type="slidenum">
               <a:rPr lang="es-ES" noProof="0" smtClean="0"/>
               <a:pPr rtl="0"/>
-              <a:t>‹Nº›</a:t>
+              <a:t>‹#›</a:t>
             </a:fld>
             <a:endParaRPr lang="es-ES" noProof="0" dirty="0"/>
           </a:p>
@@ -5715,7 +5752,7 @@
           <p:nvPr>
             <p:extLst>
               <p:ext uri="{D42A27DB-BD31-4B8C-83A1-F6EECF244321}">
-                <p14:modId xmlns:p14="http://schemas.microsoft.com/office/powerpoint/2010/main" val="1849568408"/>
+                <p14:modId xmlns:p14="http://schemas.microsoft.com/office/powerpoint/2010/main" val="184135089"/>
               </p:ext>
             </p:extLst>
           </p:nvPr>
@@ -5926,7 +5963,7 @@
                         <a:defRPr/>
                       </a:pPr>
                       <a:r>
-                        <a:rPr lang="es" sz="1600" cap="none" spc="0">
+                        <a:rPr lang="es" sz="1600" cap="none" spc="0" dirty="0">
                           <a:solidFill>
                             <a:schemeClr val="tx1"/>
                           </a:solidFill>
@@ -5953,12 +5990,20 @@
                         <a:defRPr/>
                       </a:pPr>
                       <a:r>
-                        <a:rPr lang="es" sz="1600" cap="none" spc="0">
+                        <a:rPr lang="es" sz="1600" cap="none" spc="0" dirty="0">
                           <a:solidFill>
                             <a:schemeClr val="tx1"/>
                           </a:solidFill>
                         </a:rPr>
-                        <a:t>Operaciones por streams</a:t>
+                        <a:t>Operaciones por </a:t>
+                      </a:r>
+                      <a:r>
+                        <a:rPr lang="es" sz="1600" cap="none" spc="0" dirty="0" err="1">
+                          <a:solidFill>
+                            <a:schemeClr val="tx1"/>
+                          </a:solidFill>
+                        </a:rPr>
+                        <a:t>streams</a:t>
                       </a:r>
                     </a:p>
                     <a:p>
@@ -5980,7 +6025,7 @@
                         <a:defRPr/>
                       </a:pPr>
                       <a:r>
-                        <a:rPr lang="es" sz="1600" cap="none" spc="0">
+                        <a:rPr lang="es" sz="1600" cap="none" spc="0" dirty="0">
                           <a:solidFill>
                             <a:schemeClr val="tx1"/>
                           </a:solidFill>
@@ -6007,7 +6052,7 @@
                         <a:defRPr/>
                       </a:pPr>
                       <a:r>
-                        <a:rPr lang="es" sz="1600" cap="none" spc="0">
+                        <a:rPr lang="es" sz="1600" cap="none" spc="0" dirty="0" err="1">
                           <a:solidFill>
                             <a:schemeClr val="tx1"/>
                           </a:solidFill>
@@ -6016,7 +6061,7 @@
                       </a:r>
                     </a:p>
                     <a:p>
-                      <a:pPr marL="285750" marR="0" lvl="0" indent="-285750" algn="l" defTabSz="914400" rtl="0" eaLnBrk="1" fontAlgn="auto" latinLnBrk="0" hangingPunct="1">
+                      <a:pPr marL="285750" marR="0" lvl="0" indent="-285750" algn="l">
                         <a:lnSpc>
                           <a:spcPct val="150000"/>
                         </a:lnSpc>
@@ -6030,20 +6075,43 @@
                         <a:buSzTx/>
                         <a:buFont typeface="Arial" panose="020B0604020202020204" pitchFamily="34" charset="0"/>
                         <a:buChar char="•"/>
-                        <a:tabLst/>
-                        <a:defRPr/>
                       </a:pPr>
                       <a:r>
-                        <a:rPr lang="es" sz="1600" cap="none" spc="0">
+                        <a:rPr lang="es" sz="1600" cap="none" spc="0" dirty="0" err="1">
                           <a:solidFill>
                             <a:schemeClr val="tx1"/>
                           </a:solidFill>
                         </a:rPr>
-                        <a:t>Caso de uso: </a:t>
+                        <a:t>Closeables</a:t>
                       </a:r>
                     </a:p>
                     <a:p>
-                      <a:pPr marL="0" marR="0" lvl="0" indent="0" algn="l" defTabSz="914400" rtl="0" eaLnBrk="1" fontAlgn="auto" latinLnBrk="0" hangingPunct="1">
+                      <a:pPr marL="285750" marR="0" lvl="0" indent="-285750" algn="l" rtl="0" eaLnBrk="1" fontAlgn="auto" latinLnBrk="0" hangingPunct="1">
+                        <a:lnSpc>
+                          <a:spcPct val="150000"/>
+                        </a:lnSpc>
+                        <a:spcBef>
+                          <a:spcPts val="0"/>
+                        </a:spcBef>
+                        <a:spcAft>
+                          <a:spcPts val="0"/>
+                        </a:spcAft>
+                        <a:buClrTx/>
+                        <a:buSzTx/>
+                        <a:buFont typeface="Arial" panose="020B0604020202020204" pitchFamily="34" charset="0"/>
+                        <a:buChar char="•"/>
+                      </a:pPr>
+                      <a:r>
+                        <a:rPr lang="es" sz="1600" cap="none" spc="0" dirty="0">
+                          <a:solidFill>
+                            <a:schemeClr val="tx1"/>
+                          </a:solidFill>
+                        </a:rPr>
+                        <a:t>Caso de uso: </a:t>
+                      </a:r>
+                    </a:p>
+                    <a:p>
+                      <a:pPr marL="0" marR="0" lvl="0" indent="0" algn="l" rtl="0" eaLnBrk="1" fontAlgn="auto" latinLnBrk="0" hangingPunct="1">
                         <a:lnSpc>
                           <a:spcPct val="150000"/>
                         </a:lnSpc>
@@ -6057,18 +6125,16 @@
                         <a:buSzTx/>
                         <a:buFont typeface="Arial" panose="020B0604020202020204" pitchFamily="34" charset="0"/>
                         <a:buNone/>
-                        <a:tabLst/>
-                        <a:defRPr/>
                       </a:pPr>
                       <a:r>
-                        <a:rPr lang="es" sz="1600" cap="none" spc="0">
+                        <a:rPr lang="es" sz="1600" cap="none" spc="0" dirty="0">
                           <a:solidFill>
                             <a:schemeClr val="tx1"/>
                           </a:solidFill>
                         </a:rPr>
-                        <a:t>      Pocas conexiones con mucho ancho de banda</a:t>
+                        <a:t>      Pocas conexiones con mucho ancho de banda</a:t>
                       </a:r>
-                      <a:endParaRPr lang="es" sz="1600" cap="none" spc="0">
+                      <a:endParaRPr lang="es" sz="1600" cap="none" spc="0" dirty="0">
                         <a:solidFill>
                           <a:schemeClr val="tx1"/>
                         </a:solidFill>
@@ -6208,6 +6274,29 @@
                         </a:rPr>
                         <a:t>Soporte multihilo</a:t>
                       </a:r>
+                    </a:p>
+                    <a:p>
+                      <a:pPr marL="285750" lvl="0" indent="-285750">
+                        <a:lnSpc>
+                          <a:spcPct val="150000"/>
+                        </a:lnSpc>
+                        <a:buFont typeface="Arial" panose="020B0604020202020204" pitchFamily="34" charset="0"/>
+                        <a:buChar char="•"/>
+                      </a:pPr>
+                      <a:r>
+                        <a:rPr lang="es" sz="1600" b="0" i="0" u="none" strike="noStrike" cap="none" spc="0" noProof="0" dirty="0" err="1">
+                          <a:solidFill>
+                            <a:schemeClr val="tx1"/>
+                          </a:solidFill>
+                          <a:latin typeface="Franklin Gothic Book"/>
+                        </a:rPr>
+                        <a:t>Closeables</a:t>
+                      </a:r>
+                      <a:endParaRPr lang="es" sz="1600" cap="none" spc="0" dirty="0" err="1">
+                        <a:solidFill>
+                          <a:schemeClr val="tx1"/>
+                        </a:solidFill>
+                      </a:endParaRPr>
                     </a:p>
                     <a:p>
                       <a:pPr marL="285750" marR="0" lvl="0" indent="-285750" algn="l" defTabSz="457200" rtl="0" eaLnBrk="1" fontAlgn="auto" latinLnBrk="0" hangingPunct="1">

--- a/src/java-prom-path/io/Java IO.pptx
+++ b/src/java-prom-path/io/Java IO.pptx
@@ -130,37 +130,9 @@
 <p1510:revInfo xmlns:a="http://schemas.openxmlformats.org/drawingml/2006/main" xmlns:r="http://schemas.openxmlformats.org/officeDocument/2006/relationships" xmlns:p1510="http://schemas.microsoft.com/office/powerpoint/2015/10/main">
   <p1510:revLst>
     <p1510:client id="{6B164DF7-5706-3274-77F8-F75391A184A7}" v="20" dt="2023-05-30T16:01:47.374"/>
+    <p1510:client id="{F03E4954-D7DD-92C0-58B2-377C9C86725C}" v="83" dt="2023-06-02T03:08:47.650"/>
   </p1510:revLst>
 </p1510:revInfo>
-</file>
-
-<file path=ppt/changesInfos/changesInfo1.xml><?xml version="1.0" encoding="utf-8"?>
-<pc:chgInfo xmlns:a="http://schemas.openxmlformats.org/drawingml/2006/main" xmlns:r="http://schemas.openxmlformats.org/officeDocument/2006/relationships" xmlns:ac="http://schemas.microsoft.com/office/drawing/2013/main/command" xmlns:pc="http://schemas.microsoft.com/office/powerpoint/2013/main/command">
-  <pc:docChgLst>
-    <pc:chgData name="Francisco Masera" userId="S::francisco.masera@alumnos.frm.utn.edu.ar::394ef87a-3cd0-4d32-85f6-71f54635c6b0" providerId="AD" clId="Web-{6B164DF7-5706-3274-77F8-F75391A184A7}"/>
-    <pc:docChg chg="modSld">
-      <pc:chgData name="Francisco Masera" userId="S::francisco.masera@alumnos.frm.utn.edu.ar::394ef87a-3cd0-4d32-85f6-71f54635c6b0" providerId="AD" clId="Web-{6B164DF7-5706-3274-77F8-F75391A184A7}" dt="2023-05-30T16:01:39.999" v="15"/>
-      <pc:docMkLst>
-        <pc:docMk/>
-      </pc:docMkLst>
-      <pc:sldChg chg="modSp">
-        <pc:chgData name="Francisco Masera" userId="S::francisco.masera@alumnos.frm.utn.edu.ar::394ef87a-3cd0-4d32-85f6-71f54635c6b0" providerId="AD" clId="Web-{6B164DF7-5706-3274-77F8-F75391A184A7}" dt="2023-05-30T16:01:39.999" v="15"/>
-        <pc:sldMkLst>
-          <pc:docMk/>
-          <pc:sldMk cId="1524077779" sldId="260"/>
-        </pc:sldMkLst>
-        <pc:graphicFrameChg chg="mod modGraphic">
-          <ac:chgData name="Francisco Masera" userId="S::francisco.masera@alumnos.frm.utn.edu.ar::394ef87a-3cd0-4d32-85f6-71f54635c6b0" providerId="AD" clId="Web-{6B164DF7-5706-3274-77F8-F75391A184A7}" dt="2023-05-30T16:01:39.999" v="15"/>
-          <ac:graphicFrameMkLst>
-            <pc:docMk/>
-            <pc:sldMk cId="1524077779" sldId="260"/>
-            <ac:graphicFrameMk id="27" creationId="{31F44B22-324B-4DE8-B32C-85312184904C}"/>
-          </ac:graphicFrameMkLst>
-        </pc:graphicFrameChg>
-      </pc:sldChg>
-    </pc:docChg>
-  </pc:docChgLst>
-</pc:chgInfo>
 </file>
 
 <file path=ppt/handoutMasters/handoutMaster1.xml><?xml version="1.0" encoding="utf-8"?>
@@ -247,7 +219,7 @@
             <a:pPr rtl="0"/>
             <a:fld id="{16311DD2-1404-4AD4-9614-501E06A89033}" type="datetime1">
               <a:rPr lang="es-ES" smtClean="0"/>
-              <a:t>30/05/2023</a:t>
+              <a:t>01/06/2023</a:t>
             </a:fld>
             <a:endParaRPr lang="es-ES" dirty="0"/>
           </a:p>
@@ -416,7 +388,7 @@
             <a:fld id="{83E2FCFB-5C3A-4B64-B75C-00008EE5FFC6}" type="datetime1">
               <a:rPr lang="es-ES" smtClean="0"/>
               <a:pPr/>
-              <a:t>30/05/2023</a:t>
+              <a:t>01/06/2023</a:t>
             </a:fld>
             <a:endParaRPr lang="es-ES" dirty="0"/>
           </a:p>
@@ -1176,7 +1148,7 @@
             <a:pPr rtl="0"/>
             <a:fld id="{26C8FCF1-F3AA-4FDB-8A17-2C171E308741}" type="datetime1">
               <a:rPr lang="es-ES" noProof="0" smtClean="0"/>
-              <a:t>30/05/2023</a:t>
+              <a:t>01/06/2023</a:t>
             </a:fld>
             <a:endParaRPr lang="es-ES" noProof="0" dirty="0"/>
           </a:p>
@@ -1509,7 +1481,7 @@
             <a:pPr rtl="0"/>
             <a:fld id="{FA6F2DB0-AA7B-40EF-A1F6-597D5286B151}" type="datetime1">
               <a:rPr lang="es-ES" noProof="0" smtClean="0"/>
-              <a:t>30/05/2023</a:t>
+              <a:t>01/06/2023</a:t>
             </a:fld>
             <a:endParaRPr lang="es-ES" noProof="0" dirty="0"/>
           </a:p>
@@ -1694,7 +1666,7 @@
             <a:pPr rtl="0"/>
             <a:fld id="{FA6F2DB0-AA7B-40EF-A1F6-597D5286B151}" type="datetime1">
               <a:rPr lang="es-ES" noProof="0" smtClean="0"/>
-              <a:t>30/05/2023</a:t>
+              <a:t>01/06/2023</a:t>
             </a:fld>
             <a:endParaRPr lang="es-ES" noProof="0" dirty="0"/>
           </a:p>
@@ -1869,7 +1841,7 @@
             <a:pPr rtl="0"/>
             <a:fld id="{FA6F2DB0-AA7B-40EF-A1F6-597D5286B151}" type="datetime1">
               <a:rPr lang="es-ES" noProof="0" smtClean="0"/>
-              <a:t>30/05/2023</a:t>
+              <a:t>01/06/2023</a:t>
             </a:fld>
             <a:endParaRPr lang="es-ES" noProof="0" dirty="0"/>
           </a:p>
@@ -2151,7 +2123,7 @@
             <a:pPr rtl="0"/>
             <a:fld id="{245D95F4-6294-46FB-BED2-470C54CD309B}" type="datetime1">
               <a:rPr lang="es-ES" noProof="0" smtClean="0"/>
-              <a:t>30/05/2023</a:t>
+              <a:t>01/06/2023</a:t>
             </a:fld>
             <a:endParaRPr lang="es-ES" noProof="0" dirty="0"/>
           </a:p>
@@ -2548,7 +2520,7 @@
             <a:pPr rtl="0"/>
             <a:fld id="{FA6F2DB0-AA7B-40EF-A1F6-597D5286B151}" type="datetime1">
               <a:rPr lang="es-ES" noProof="0" smtClean="0"/>
-              <a:t>30/05/2023</a:t>
+              <a:t>01/06/2023</a:t>
             </a:fld>
             <a:endParaRPr lang="es-ES" noProof="0" dirty="0"/>
           </a:p>
@@ -3030,7 +3002,7 @@
             <a:pPr rtl="0"/>
             <a:fld id="{FA6F2DB0-AA7B-40EF-A1F6-597D5286B151}" type="datetime1">
               <a:rPr lang="es-ES" noProof="0" smtClean="0"/>
-              <a:t>30/05/2023</a:t>
+              <a:t>01/06/2023</a:t>
             </a:fld>
             <a:endParaRPr lang="es-ES" noProof="0" dirty="0"/>
           </a:p>
@@ -3153,7 +3125,7 @@
             <a:pPr rtl="0"/>
             <a:fld id="{B723C4E6-6BAB-45D7-A331-7972B0412103}" type="datetime1">
               <a:rPr lang="es-ES" noProof="0" smtClean="0"/>
-              <a:t>30/05/2023</a:t>
+              <a:t>01/06/2023</a:t>
             </a:fld>
             <a:endParaRPr lang="es-ES" noProof="0" dirty="0"/>
           </a:p>
@@ -3251,7 +3223,7 @@
             <a:pPr rtl="0"/>
             <a:fld id="{F66E4CD3-F2CC-42DA-BE22-23AE45D6EF47}" type="datetime1">
               <a:rPr lang="es-ES" noProof="0" smtClean="0"/>
-              <a:t>30/05/2023</a:t>
+              <a:t>01/06/2023</a:t>
             </a:fld>
             <a:endParaRPr lang="es-ES" noProof="0" dirty="0"/>
           </a:p>
@@ -3600,7 +3572,7 @@
             <a:pPr rtl="0"/>
             <a:fld id="{FA6F2DB0-AA7B-40EF-A1F6-597D5286B151}" type="datetime1">
               <a:rPr lang="es-ES" noProof="0" smtClean="0"/>
-              <a:t>30/05/2023</a:t>
+              <a:t>01/06/2023</a:t>
             </a:fld>
             <a:endParaRPr lang="es-ES" noProof="0" dirty="0"/>
           </a:p>
@@ -3993,7 +3965,7 @@
             <a:pPr rtl="0"/>
             <a:fld id="{FA6F2DB0-AA7B-40EF-A1F6-597D5286B151}" type="datetime1">
               <a:rPr lang="es-ES" noProof="0" smtClean="0"/>
-              <a:t>30/05/2023</a:t>
+              <a:t>01/06/2023</a:t>
             </a:fld>
             <a:endParaRPr lang="es-ES" noProof="0" dirty="0"/>
           </a:p>
@@ -4276,7 +4248,7 @@
             <a:pPr rtl="0"/>
             <a:fld id="{FA6F2DB0-AA7B-40EF-A1F6-597D5286B151}" type="datetime1">
               <a:rPr lang="es-ES" noProof="0" smtClean="0"/>
-              <a:t>30/05/2023</a:t>
+              <a:t>01/06/2023</a:t>
             </a:fld>
             <a:endParaRPr lang="es-ES" noProof="0" dirty="0"/>
           </a:p>
@@ -5752,7 +5724,7 @@
           <p:nvPr>
             <p:extLst>
               <p:ext uri="{D42A27DB-BD31-4B8C-83A1-F6EECF244321}">
-                <p14:modId xmlns:p14="http://schemas.microsoft.com/office/powerpoint/2010/main" val="184135089"/>
+                <p14:modId xmlns:p14="http://schemas.microsoft.com/office/powerpoint/2010/main" val="1438948086"/>
               </p:ext>
             </p:extLst>
           </p:nvPr>
@@ -6005,6 +5977,11 @@
                         </a:rPr>
                         <a:t>streams</a:t>
                       </a:r>
+                      <a:endParaRPr lang="es" sz="1600" cap="none" spc="0">
+                        <a:solidFill>
+                          <a:schemeClr val="tx1"/>
+                        </a:solidFill>
+                      </a:endParaRPr>
                     </a:p>
                     <a:p>
                       <a:pPr marL="285750" marR="0" lvl="0" indent="-285750" algn="l" defTabSz="914400" rtl="0" eaLnBrk="1" fontAlgn="auto" latinLnBrk="0" hangingPunct="1">
@@ -6059,6 +6036,11 @@
                         </a:rPr>
                         <a:t>Monohilo</a:t>
                       </a:r>
+                      <a:endParaRPr lang="es" sz="1600" cap="none" spc="0">
+                        <a:solidFill>
+                          <a:schemeClr val="tx1"/>
+                        </a:solidFill>
+                      </a:endParaRPr>
                     </a:p>
                     <a:p>
                       <a:pPr marL="285750" marR="0" lvl="0" indent="-285750" algn="l">
@@ -6084,6 +6066,11 @@
                         </a:rPr>
                         <a:t>Closeables</a:t>
                       </a:r>
+                      <a:endParaRPr lang="es" sz="1600" cap="none" spc="0">
+                        <a:solidFill>
+                          <a:schemeClr val="tx1"/>
+                        </a:solidFill>
+                      </a:endParaRPr>
                     </a:p>
                     <a:p>
                       <a:pPr marL="285750" marR="0" lvl="0" indent="-285750" algn="l" rtl="0" eaLnBrk="1" fontAlgn="auto" latinLnBrk="0" hangingPunct="1">
@@ -7307,64 +7294,6 @@
           </a:graphicData>
         </a:graphic>
       </p:graphicFrame>
-      <p:graphicFrame>
-        <p:nvGraphicFramePr>
-          <p:cNvPr id="7" name="Objeto 6">
-            <a:extLst>
-              <a:ext uri="{FF2B5EF4-FFF2-40B4-BE49-F238E27FC236}">
-                <a16:creationId xmlns:a16="http://schemas.microsoft.com/office/drawing/2014/main" id="{AB7CBE2C-B4E8-86E5-40C0-D99856F892DF}"/>
-              </a:ext>
-            </a:extLst>
-          </p:cNvPr>
-          <p:cNvGraphicFramePr>
-            <a:graphicFrameLocks noChangeAspect="1"/>
-          </p:cNvGraphicFramePr>
-          <p:nvPr>
-            <p:extLst>
-              <p:ext uri="{D42A27DB-BD31-4B8C-83A1-F6EECF244321}">
-                <p14:modId xmlns:p14="http://schemas.microsoft.com/office/powerpoint/2010/main" val="704867019"/>
-              </p:ext>
-            </p:extLst>
-          </p:nvPr>
-        </p:nvGraphicFramePr>
-        <p:xfrm>
-          <a:off x="2032000" y="719138"/>
-          <a:ext cx="8128000" cy="5418137"/>
-        </p:xfrm>
-        <a:graphic>
-          <a:graphicData uri="http://schemas.openxmlformats.org/presentationml/2006/ole">
-            <mc:AlternateContent xmlns:mc="http://schemas.openxmlformats.org/markup-compatibility/2006">
-              <mc:Choice xmlns:v="urn:schemas-microsoft-com:vml" Requires="v">
-                <p:oleObj name="Imagen de mapa de bits" r:id="rId3" imgW="0" imgH="0" progId="Paint.Picture">
-                  <p:embed/>
-                </p:oleObj>
-              </mc:Choice>
-              <mc:Fallback>
-                <p:oleObj name="Imagen de mapa de bits" r:id="rId3" imgW="0" imgH="0" progId="Paint.Picture">
-                  <p:embed/>
-                  <p:pic>
-                    <p:nvPicPr>
-                      <p:cNvPr id="0" name=""/>
-                      <p:cNvPicPr/>
-                      <p:nvPr/>
-                    </p:nvPicPr>
-                    <p:blipFill/>
-                    <p:spPr>
-                      <a:xfrm>
-                        <a:off x="2032000" y="719138"/>
-                        <a:ext cx="8128000" cy="5418137"/>
-                      </a:xfrm>
-                      <a:prstGeom prst="rect">
-                        <a:avLst/>
-                      </a:prstGeom>
-                    </p:spPr>
-                  </p:pic>
-                </p:oleObj>
-              </mc:Fallback>
-            </mc:AlternateContent>
-          </a:graphicData>
-        </a:graphic>
-      </p:graphicFrame>
       <p:pic>
         <p:nvPicPr>
           <p:cNvPr id="12" name="Imagen 11">
@@ -7380,7 +7309,7 @@
           <p:nvPr/>
         </p:nvPicPr>
         <p:blipFill>
-          <a:blip r:embed="rId4"/>
+          <a:blip r:embed="rId3"/>
           <a:stretch>
             <a:fillRect/>
           </a:stretch>
@@ -7579,7 +7508,7 @@
           <p:nvPr/>
         </p:nvPicPr>
         <p:blipFill>
-          <a:blip r:embed="rId5"/>
+          <a:blip r:embed="rId4"/>
           <a:stretch>
             <a:fillRect/>
           </a:stretch>
@@ -11136,20 +11065,45 @@
         </p:nvSpPr>
         <p:spPr>
           <a:xfrm>
-            <a:off x="5100824" y="685800"/>
-            <a:ext cx="6176776" cy="1485900"/>
+            <a:off x="4602231" y="-941"/>
+            <a:ext cx="7587887" cy="601604"/>
           </a:xfrm>
         </p:spPr>
         <p:txBody>
           <a:bodyPr vert="horz" lIns="91440" tIns="45720" rIns="91440" bIns="45720" rtlCol="0" anchor="t">
-            <a:normAutofit/>
+            <a:normAutofit fontScale="90000"/>
           </a:bodyPr>
           <a:lstStyle/>
           <a:p>
             <a:r>
-              <a:rPr lang="en-US"/>
-              <a:t>Archivos mapeados en memoria</a:t>
+              <a:rPr lang="en-US" sz="4000" err="1"/>
+              <a:t>Archivos</a:t>
             </a:r>
+            <a:r>
+              <a:rPr lang="en-US" sz="4000" dirty="0"/>
+              <a:t> </a:t>
+            </a:r>
+            <a:r>
+              <a:rPr lang="en-US" sz="4000" err="1"/>
+              <a:t>mapeados</a:t>
+            </a:r>
+            <a:r>
+              <a:rPr lang="en-US" sz="4000" dirty="0"/>
+              <a:t> </a:t>
+            </a:r>
+            <a:r>
+              <a:rPr lang="en-US" sz="4000" err="1"/>
+              <a:t>en</a:t>
+            </a:r>
+            <a:r>
+              <a:rPr lang="en-US" sz="4000" dirty="0"/>
+              <a:t> </a:t>
+            </a:r>
+            <a:r>
+              <a:rPr lang="en-US" sz="4000" err="1"/>
+              <a:t>memoria</a:t>
+            </a:r>
+            <a:endParaRPr lang="en-US" sz="4000"/>
           </a:p>
         </p:txBody>
       </p:sp>
@@ -11251,7 +11205,7 @@
         </p:nvSpPr>
         <p:spPr>
           <a:xfrm>
-            <a:off x="5100824" y="2286000"/>
+            <a:off x="4780972" y="762000"/>
             <a:ext cx="6176776" cy="3581400"/>
           </a:xfrm>
           <a:prstGeom prst="rect">
@@ -11259,12 +11213,12 @@
           </a:prstGeom>
         </p:spPr>
         <p:txBody>
-          <a:bodyPr vert="horz" lIns="91440" tIns="45720" rIns="91440" bIns="45720" rtlCol="0">
+          <a:bodyPr vert="horz" lIns="91440" tIns="45720" rIns="91440" bIns="45720" rtlCol="0" anchor="t">
             <a:normAutofit/>
           </a:bodyPr>
           <a:lstStyle/>
           <a:p>
-            <a:pPr marL="384048" indent="-384048" defTabSz="914400">
+            <a:pPr marL="383540" indent="-383540" defTabSz="914400">
               <a:lnSpc>
                 <a:spcPct val="94000"/>
               </a:lnSpc>
@@ -11322,9 +11276,10 @@
               </a:rPr>
               <a:t> RAM</a:t>
             </a:r>
-          </a:p>
-          <a:p>
-            <a:pPr marL="384048" indent="-384048" defTabSz="914400">
+            <a:endParaRPr lang="en-US"/>
+          </a:p>
+          <a:p>
+            <a:pPr marL="383540" indent="-383540" defTabSz="914400">
               <a:lnSpc>
                 <a:spcPct val="94000"/>
               </a:lnSpc>
@@ -11358,14 +11313,14 @@
               </a:rPr>
               <a:t>java.nio</a:t>
             </a:r>
-            <a:endParaRPr lang="en-US" dirty="0">
+            <a:endParaRPr lang="en-US">
               <a:solidFill>
                 <a:schemeClr val="tx2"/>
               </a:solidFill>
             </a:endParaRPr>
           </a:p>
           <a:p>
-            <a:pPr marL="384048" indent="-384048" defTabSz="914400">
+            <a:pPr marL="383540" indent="-383540" defTabSz="914400">
               <a:lnSpc>
                 <a:spcPct val="94000"/>
               </a:lnSpc>
@@ -11381,39 +11336,11 @@
                   <a:schemeClr val="tx2"/>
                 </a:solidFill>
               </a:rPr>
-              <a:t>No consume heap</a:t>
+              <a:t>Utilidades:</a:t>
             </a:r>
           </a:p>
           <a:p>
-            <a:pPr marL="384048" indent="-384048" defTabSz="914400">
-              <a:lnSpc>
-                <a:spcPct val="94000"/>
-              </a:lnSpc>
-              <a:spcAft>
-                <a:spcPts val="200"/>
-              </a:spcAft>
-              <a:buFont typeface="Franklin Gothic Book" panose="020B0503020102020204" pitchFamily="34" charset="0"/>
-              <a:buChar char="•"/>
-            </a:pPr>
-            <a:r>
-              <a:rPr lang="en-US" dirty="0" err="1">
-                <a:solidFill>
-                  <a:schemeClr val="tx2"/>
-                </a:solidFill>
-              </a:rPr>
-              <a:t>Utilidades</a:t>
-            </a:r>
-            <a:r>
-              <a:rPr lang="en-US" dirty="0">
-                <a:solidFill>
-                  <a:schemeClr val="tx2"/>
-                </a:solidFill>
-              </a:rPr>
-              <a:t>:</a:t>
-            </a:r>
-          </a:p>
-          <a:p>
-            <a:pPr marL="841248" lvl="3" indent="-384048" defTabSz="914400">
+            <a:pPr marL="840740" lvl="3" indent="-383540" defTabSz="914400">
               <a:lnSpc>
                 <a:spcPct val="94000"/>
               </a:lnSpc>
@@ -11424,21 +11351,40 @@
               <a:buAutoNum type="arabicPeriod"/>
             </a:pPr>
             <a:r>
-              <a:rPr lang="en-US" dirty="0" err="1">
+              <a:rPr lang="en-US" err="1">
                 <a:solidFill>
                   <a:schemeClr val="tx2"/>
                 </a:solidFill>
               </a:rPr>
               <a:t>MappedByteBuffer</a:t>
             </a:r>
-            <a:endParaRPr lang="en-US" dirty="0">
+            <a:endParaRPr lang="en-US">
               <a:solidFill>
                 <a:schemeClr val="tx2"/>
               </a:solidFill>
             </a:endParaRPr>
           </a:p>
           <a:p>
-            <a:pPr marL="841248" lvl="3" indent="-384048" defTabSz="914400">
+            <a:pPr marL="840740" lvl="3" indent="-383540" defTabSz="914400">
+              <a:lnSpc>
+                <a:spcPct val="94000"/>
+              </a:lnSpc>
+              <a:spcAft>
+                <a:spcPts val="200"/>
+              </a:spcAft>
+              <a:buAutoNum type="arabicPeriod"/>
+            </a:pPr>
+            <a:r>
+              <a:rPr lang="en-US" dirty="0">
+                <a:solidFill>
+                  <a:schemeClr val="tx2"/>
+                </a:solidFill>
+              </a:rPr>
+              <a:t>Direct Buffer (no consume heap) </a:t>
+            </a:r>
+          </a:p>
+          <a:p>
+            <a:pPr marL="840740" lvl="3" indent="-383540" defTabSz="914400">
               <a:lnSpc>
                 <a:spcPct val="94000"/>
               </a:lnSpc>
@@ -11462,7 +11408,7 @@
                   <a:schemeClr val="tx2"/>
                 </a:solidFill>
               </a:rPr>
-              <a:t>mejor</a:t>
+              <a:t>menos</a:t>
             </a:r>
             <a:r>
               <a:rPr lang="en-US" dirty="0">
@@ -11470,11 +11416,57 @@
                   <a:schemeClr val="tx2"/>
                 </a:solidFill>
               </a:rPr>
-              <a:t> performance)</a:t>
+              <a:t> </a:t>
+            </a:r>
+            <a:r>
+              <a:rPr lang="en-US" dirty="0" err="1">
+                <a:solidFill>
+                  <a:schemeClr val="tx2"/>
+                </a:solidFill>
+              </a:rPr>
+              <a:t>costoso</a:t>
+            </a:r>
+            <a:r>
+              <a:rPr lang="en-US" dirty="0">
+                <a:solidFill>
+                  <a:schemeClr val="tx2"/>
+                </a:solidFill>
+              </a:rPr>
+              <a:t>)</a:t>
             </a:r>
           </a:p>
         </p:txBody>
       </p:sp>
+      <p:pic>
+        <p:nvPicPr>
+          <p:cNvPr id="4" name="Picture 5">
+            <a:extLst>
+              <a:ext uri="{FF2B5EF4-FFF2-40B4-BE49-F238E27FC236}">
+                <a16:creationId xmlns:a16="http://schemas.microsoft.com/office/drawing/2014/main" id="{4D71FF7A-5D1D-EE40-02E5-A46EA7B86FBE}"/>
+              </a:ext>
+            </a:extLst>
+          </p:cNvPr>
+          <p:cNvPicPr>
+            <a:picLocks noChangeAspect="1"/>
+          </p:cNvPicPr>
+          <p:nvPr/>
+        </p:nvPicPr>
+        <p:blipFill>
+          <a:blip r:embed="rId3"/>
+          <a:stretch>
+            <a:fillRect/>
+          </a:stretch>
+        </p:blipFill>
+        <p:spPr>
+          <a:xfrm>
+            <a:off x="5618342" y="2556407"/>
+            <a:ext cx="5715940" cy="4257080"/>
+          </a:xfrm>
+          <a:prstGeom prst="rect">
+            <a:avLst/>
+          </a:prstGeom>
+        </p:spPr>
+      </p:pic>
     </p:spTree>
     <p:extLst>
       <p:ext uri="{BB962C8B-B14F-4D97-AF65-F5344CB8AC3E}">
